--- a/ppt/java/interview-questions/spring interview/2-autowiring/autowiring_v2.pptx
+++ b/ppt/java/interview-questions/spring interview/2-autowiring/autowiring_v2.pptx
@@ -4,6 +4,9 @@
   <p:sldMasterIdLst>
     <p:sldMasterId id="2147483660" r:id="rId1"/>
   </p:sldMasterIdLst>
+  <p:notesMasterIdLst>
+    <p:notesMasterId r:id="rId12"/>
+  </p:notesMasterIdLst>
   <p:sldIdLst>
     <p:sldId id="256" r:id="rId2"/>
     <p:sldId id="257" r:id="rId3"/>
@@ -130,6 +133,1393 @@
     </p:ext>
   </p:extLst>
 </p:presentation>
+</file>
+
+<file path=ppt/notesMasters/notesMaster1.xml><?xml version="1.0" encoding="utf-8"?>
+<p:notesMaster xmlns:a="http://schemas.openxmlformats.org/drawingml/2006/main" xmlns:r="http://schemas.openxmlformats.org/officeDocument/2006/relationships" xmlns:p="http://schemas.openxmlformats.org/presentationml/2006/main">
+  <p:cSld>
+    <p:bg>
+      <p:bgRef idx="1001">
+        <a:schemeClr val="bg1"/>
+      </p:bgRef>
+    </p:bg>
+    <p:spTree>
+      <p:nvGrpSpPr>
+        <p:cNvPr id="1" name=""/>
+        <p:cNvGrpSpPr/>
+        <p:nvPr/>
+      </p:nvGrpSpPr>
+      <p:grpSpPr>
+        <a:xfrm>
+          <a:off x="0" y="0"/>
+          <a:ext cx="0" cy="0"/>
+          <a:chOff x="0" y="0"/>
+          <a:chExt cx="0" cy="0"/>
+        </a:xfrm>
+      </p:grpSpPr>
+      <p:sp>
+        <p:nvSpPr>
+          <p:cNvPr id="2" name="Header Placeholder 1"/>
+          <p:cNvSpPr>
+            <a:spLocks noGrp="1"/>
+          </p:cNvSpPr>
+          <p:nvPr>
+            <p:ph type="hdr" sz="quarter"/>
+          </p:nvPr>
+        </p:nvSpPr>
+        <p:spPr>
+          <a:xfrm>
+            <a:off x="0" y="0"/>
+            <a:ext cx="2971800" cy="458788"/>
+          </a:xfrm>
+          <a:prstGeom prst="rect">
+            <a:avLst/>
+          </a:prstGeom>
+        </p:spPr>
+        <p:txBody>
+          <a:bodyPr vert="horz" lIns="91440" tIns="45720" rIns="91440" bIns="45720" rtlCol="0"/>
+          <a:lstStyle>
+            <a:lvl1pPr algn="l">
+              <a:defRPr sz="1200"/>
+            </a:lvl1pPr>
+          </a:lstStyle>
+          <a:p>
+            <a:endParaRPr lang="en-IN"/>
+          </a:p>
+        </p:txBody>
+      </p:sp>
+      <p:sp>
+        <p:nvSpPr>
+          <p:cNvPr id="3" name="Date Placeholder 2"/>
+          <p:cNvSpPr>
+            <a:spLocks noGrp="1"/>
+          </p:cNvSpPr>
+          <p:nvPr>
+            <p:ph type="dt" idx="1"/>
+          </p:nvPr>
+        </p:nvSpPr>
+        <p:spPr>
+          <a:xfrm>
+            <a:off x="3884613" y="0"/>
+            <a:ext cx="2971800" cy="458788"/>
+          </a:xfrm>
+          <a:prstGeom prst="rect">
+            <a:avLst/>
+          </a:prstGeom>
+        </p:spPr>
+        <p:txBody>
+          <a:bodyPr vert="horz" lIns="91440" tIns="45720" rIns="91440" bIns="45720" rtlCol="0"/>
+          <a:lstStyle>
+            <a:lvl1pPr algn="r">
+              <a:defRPr sz="1200"/>
+            </a:lvl1pPr>
+          </a:lstStyle>
+          <a:p>
+            <a:fld id="{A03DBC23-A559-4CB7-8821-6C507C64831F}" type="datetimeFigureOut">
+              <a:rPr lang="en-IN" smtClean="0"/>
+              <a:t>06-04-2025</a:t>
+            </a:fld>
+            <a:endParaRPr lang="en-IN"/>
+          </a:p>
+        </p:txBody>
+      </p:sp>
+      <p:sp>
+        <p:nvSpPr>
+          <p:cNvPr id="4" name="Slide Image Placeholder 3"/>
+          <p:cNvSpPr>
+            <a:spLocks noGrp="1" noRot="1" noChangeAspect="1"/>
+          </p:cNvSpPr>
+          <p:nvPr>
+            <p:ph type="sldImg" idx="2"/>
+          </p:nvPr>
+        </p:nvSpPr>
+        <p:spPr>
+          <a:xfrm>
+            <a:off x="685800" y="1143000"/>
+            <a:ext cx="5486400" cy="3086100"/>
+          </a:xfrm>
+          <a:prstGeom prst="rect">
+            <a:avLst/>
+          </a:prstGeom>
+          <a:noFill/>
+          <a:ln w="12700">
+            <a:solidFill>
+              <a:prstClr val="black"/>
+            </a:solidFill>
+          </a:ln>
+        </p:spPr>
+        <p:txBody>
+          <a:bodyPr vert="horz" lIns="91440" tIns="45720" rIns="91440" bIns="45720" rtlCol="0" anchor="ctr"/>
+          <a:lstStyle/>
+          <a:p>
+            <a:endParaRPr lang="en-IN"/>
+          </a:p>
+        </p:txBody>
+      </p:sp>
+      <p:sp>
+        <p:nvSpPr>
+          <p:cNvPr id="5" name="Notes Placeholder 4"/>
+          <p:cNvSpPr>
+            <a:spLocks noGrp="1"/>
+          </p:cNvSpPr>
+          <p:nvPr>
+            <p:ph type="body" sz="quarter" idx="3"/>
+          </p:nvPr>
+        </p:nvSpPr>
+        <p:spPr>
+          <a:xfrm>
+            <a:off x="685800" y="4400550"/>
+            <a:ext cx="5486400" cy="3600450"/>
+          </a:xfrm>
+          <a:prstGeom prst="rect">
+            <a:avLst/>
+          </a:prstGeom>
+        </p:spPr>
+        <p:txBody>
+          <a:bodyPr vert="horz" lIns="91440" tIns="45720" rIns="91440" bIns="45720" rtlCol="0"/>
+          <a:lstStyle/>
+          <a:p>
+            <a:pPr lvl="0"/>
+            <a:r>
+              <a:rPr lang="en-US"/>
+              <a:t>Click to edit Master text styles</a:t>
+            </a:r>
+          </a:p>
+          <a:p>
+            <a:pPr lvl="1"/>
+            <a:r>
+              <a:rPr lang="en-US"/>
+              <a:t>Second level</a:t>
+            </a:r>
+          </a:p>
+          <a:p>
+            <a:pPr lvl="2"/>
+            <a:r>
+              <a:rPr lang="en-US"/>
+              <a:t>Third level</a:t>
+            </a:r>
+          </a:p>
+          <a:p>
+            <a:pPr lvl="3"/>
+            <a:r>
+              <a:rPr lang="en-US"/>
+              <a:t>Fourth level</a:t>
+            </a:r>
+          </a:p>
+          <a:p>
+            <a:pPr lvl="4"/>
+            <a:r>
+              <a:rPr lang="en-US"/>
+              <a:t>Fifth level</a:t>
+            </a:r>
+            <a:endParaRPr lang="en-IN"/>
+          </a:p>
+        </p:txBody>
+      </p:sp>
+      <p:sp>
+        <p:nvSpPr>
+          <p:cNvPr id="6" name="Footer Placeholder 5"/>
+          <p:cNvSpPr>
+            <a:spLocks noGrp="1"/>
+          </p:cNvSpPr>
+          <p:nvPr>
+            <p:ph type="ftr" sz="quarter" idx="4"/>
+          </p:nvPr>
+        </p:nvSpPr>
+        <p:spPr>
+          <a:xfrm>
+            <a:off x="0" y="8685213"/>
+            <a:ext cx="2971800" cy="458787"/>
+          </a:xfrm>
+          <a:prstGeom prst="rect">
+            <a:avLst/>
+          </a:prstGeom>
+        </p:spPr>
+        <p:txBody>
+          <a:bodyPr vert="horz" lIns="91440" tIns="45720" rIns="91440" bIns="45720" rtlCol="0" anchor="b"/>
+          <a:lstStyle>
+            <a:lvl1pPr algn="l">
+              <a:defRPr sz="1200"/>
+            </a:lvl1pPr>
+          </a:lstStyle>
+          <a:p>
+            <a:endParaRPr lang="en-IN"/>
+          </a:p>
+        </p:txBody>
+      </p:sp>
+      <p:sp>
+        <p:nvSpPr>
+          <p:cNvPr id="7" name="Slide Number Placeholder 6"/>
+          <p:cNvSpPr>
+            <a:spLocks noGrp="1"/>
+          </p:cNvSpPr>
+          <p:nvPr>
+            <p:ph type="sldNum" sz="quarter" idx="5"/>
+          </p:nvPr>
+        </p:nvSpPr>
+        <p:spPr>
+          <a:xfrm>
+            <a:off x="3884613" y="8685213"/>
+            <a:ext cx="2971800" cy="458787"/>
+          </a:xfrm>
+          <a:prstGeom prst="rect">
+            <a:avLst/>
+          </a:prstGeom>
+        </p:spPr>
+        <p:txBody>
+          <a:bodyPr vert="horz" lIns="91440" tIns="45720" rIns="91440" bIns="45720" rtlCol="0" anchor="b"/>
+          <a:lstStyle>
+            <a:lvl1pPr algn="r">
+              <a:defRPr sz="1200"/>
+            </a:lvl1pPr>
+          </a:lstStyle>
+          <a:p>
+            <a:fld id="{219962EA-600B-46E2-892E-72EDFC7AE134}" type="slidenum">
+              <a:rPr lang="en-IN" smtClean="0"/>
+              <a:t>‹#›</a:t>
+            </a:fld>
+            <a:endParaRPr lang="en-IN"/>
+          </a:p>
+        </p:txBody>
+      </p:sp>
+    </p:spTree>
+    <p:extLst>
+      <p:ext uri="{BB962C8B-B14F-4D97-AF65-F5344CB8AC3E}">
+        <p14:creationId xmlns:p14="http://schemas.microsoft.com/office/powerpoint/2010/main" val="3290898664"/>
+      </p:ext>
+    </p:extLst>
+  </p:cSld>
+  <p:clrMap bg1="lt1" tx1="dk1" bg2="lt2" tx2="dk2" accent1="accent1" accent2="accent2" accent3="accent3" accent4="accent4" accent5="accent5" accent6="accent6" hlink="hlink" folHlink="folHlink"/>
+  <p:notesStyle>
+    <a:lvl1pPr marL="0" algn="l" defTabSz="914400" rtl="0" eaLnBrk="1" latinLnBrk="0" hangingPunct="1">
+      <a:defRPr sz="1200" kern="1200">
+        <a:solidFill>
+          <a:schemeClr val="tx1"/>
+        </a:solidFill>
+        <a:latin typeface="+mn-lt"/>
+        <a:ea typeface="+mn-ea"/>
+        <a:cs typeface="+mn-cs"/>
+      </a:defRPr>
+    </a:lvl1pPr>
+    <a:lvl2pPr marL="457200" algn="l" defTabSz="914400" rtl="0" eaLnBrk="1" latinLnBrk="0" hangingPunct="1">
+      <a:defRPr sz="1200" kern="1200">
+        <a:solidFill>
+          <a:schemeClr val="tx1"/>
+        </a:solidFill>
+        <a:latin typeface="+mn-lt"/>
+        <a:ea typeface="+mn-ea"/>
+        <a:cs typeface="+mn-cs"/>
+      </a:defRPr>
+    </a:lvl2pPr>
+    <a:lvl3pPr marL="914400" algn="l" defTabSz="914400" rtl="0" eaLnBrk="1" latinLnBrk="0" hangingPunct="1">
+      <a:defRPr sz="1200" kern="1200">
+        <a:solidFill>
+          <a:schemeClr val="tx1"/>
+        </a:solidFill>
+        <a:latin typeface="+mn-lt"/>
+        <a:ea typeface="+mn-ea"/>
+        <a:cs typeface="+mn-cs"/>
+      </a:defRPr>
+    </a:lvl3pPr>
+    <a:lvl4pPr marL="1371600" algn="l" defTabSz="914400" rtl="0" eaLnBrk="1" latinLnBrk="0" hangingPunct="1">
+      <a:defRPr sz="1200" kern="1200">
+        <a:solidFill>
+          <a:schemeClr val="tx1"/>
+        </a:solidFill>
+        <a:latin typeface="+mn-lt"/>
+        <a:ea typeface="+mn-ea"/>
+        <a:cs typeface="+mn-cs"/>
+      </a:defRPr>
+    </a:lvl4pPr>
+    <a:lvl5pPr marL="1828800" algn="l" defTabSz="914400" rtl="0" eaLnBrk="1" latinLnBrk="0" hangingPunct="1">
+      <a:defRPr sz="1200" kern="1200">
+        <a:solidFill>
+          <a:schemeClr val="tx1"/>
+        </a:solidFill>
+        <a:latin typeface="+mn-lt"/>
+        <a:ea typeface="+mn-ea"/>
+        <a:cs typeface="+mn-cs"/>
+      </a:defRPr>
+    </a:lvl5pPr>
+    <a:lvl6pPr marL="2286000" algn="l" defTabSz="914400" rtl="0" eaLnBrk="1" latinLnBrk="0" hangingPunct="1">
+      <a:defRPr sz="1200" kern="1200">
+        <a:solidFill>
+          <a:schemeClr val="tx1"/>
+        </a:solidFill>
+        <a:latin typeface="+mn-lt"/>
+        <a:ea typeface="+mn-ea"/>
+        <a:cs typeface="+mn-cs"/>
+      </a:defRPr>
+    </a:lvl6pPr>
+    <a:lvl7pPr marL="2743200" algn="l" defTabSz="914400" rtl="0" eaLnBrk="1" latinLnBrk="0" hangingPunct="1">
+      <a:defRPr sz="1200" kern="1200">
+        <a:solidFill>
+          <a:schemeClr val="tx1"/>
+        </a:solidFill>
+        <a:latin typeface="+mn-lt"/>
+        <a:ea typeface="+mn-ea"/>
+        <a:cs typeface="+mn-cs"/>
+      </a:defRPr>
+    </a:lvl7pPr>
+    <a:lvl8pPr marL="3200400" algn="l" defTabSz="914400" rtl="0" eaLnBrk="1" latinLnBrk="0" hangingPunct="1">
+      <a:defRPr sz="1200" kern="1200">
+        <a:solidFill>
+          <a:schemeClr val="tx1"/>
+        </a:solidFill>
+        <a:latin typeface="+mn-lt"/>
+        <a:ea typeface="+mn-ea"/>
+        <a:cs typeface="+mn-cs"/>
+      </a:defRPr>
+    </a:lvl8pPr>
+    <a:lvl9pPr marL="3657600" algn="l" defTabSz="914400" rtl="0" eaLnBrk="1" latinLnBrk="0" hangingPunct="1">
+      <a:defRPr sz="1200" kern="1200">
+        <a:solidFill>
+          <a:schemeClr val="tx1"/>
+        </a:solidFill>
+        <a:latin typeface="+mn-lt"/>
+        <a:ea typeface="+mn-ea"/>
+        <a:cs typeface="+mn-cs"/>
+      </a:defRPr>
+    </a:lvl9pPr>
+  </p:notesStyle>
+</p:notesMaster>
+</file>
+
+<file path=ppt/notesSlides/notesSlide1.xml><?xml version="1.0" encoding="utf-8"?>
+<p:notes xmlns:a="http://schemas.openxmlformats.org/drawingml/2006/main" xmlns:r="http://schemas.openxmlformats.org/officeDocument/2006/relationships" xmlns:p="http://schemas.openxmlformats.org/presentationml/2006/main">
+  <p:cSld>
+    <p:spTree>
+      <p:nvGrpSpPr>
+        <p:cNvPr id="1" name=""/>
+        <p:cNvGrpSpPr/>
+        <p:nvPr/>
+      </p:nvGrpSpPr>
+      <p:grpSpPr>
+        <a:xfrm>
+          <a:off x="0" y="0"/>
+          <a:ext cx="0" cy="0"/>
+          <a:chOff x="0" y="0"/>
+          <a:chExt cx="0" cy="0"/>
+        </a:xfrm>
+      </p:grpSpPr>
+      <p:sp>
+        <p:nvSpPr>
+          <p:cNvPr id="2" name="Slide Image Placeholder 1"/>
+          <p:cNvSpPr>
+            <a:spLocks noGrp="1" noRot="1" noChangeAspect="1"/>
+          </p:cNvSpPr>
+          <p:nvPr>
+            <p:ph type="sldImg"/>
+          </p:nvPr>
+        </p:nvSpPr>
+        <p:spPr/>
+      </p:sp>
+      <p:sp>
+        <p:nvSpPr>
+          <p:cNvPr id="3" name="Notes Placeholder 2"/>
+          <p:cNvSpPr>
+            <a:spLocks noGrp="1"/>
+          </p:cNvSpPr>
+          <p:nvPr>
+            <p:ph type="body" idx="1"/>
+          </p:nvPr>
+        </p:nvSpPr>
+        <p:spPr/>
+        <p:txBody>
+          <a:bodyPr/>
+          <a:lstStyle/>
+          <a:p>
+            <a:pPr>
+              <a:buNone/>
+            </a:pPr>
+            <a:r>
+              <a:rPr lang="en-US" b="1" dirty="0"/>
+              <a:t>Spring Auto Wiring - Overview</a:t>
+            </a:r>
+          </a:p>
+          <a:p>
+            <a:pPr>
+              <a:buNone/>
+            </a:pPr>
+            <a:r>
+              <a:rPr lang="en-US" dirty="0"/>
+              <a:t>Spring Auto Wiring is like having a smart assistant in your code. Instead of manually specifying which dependency goes where, Spring does it for you! Imagine you’re assembling a car. Instead of picking and placing every part yourself, an expert comes in and automatically installs the correct components.</a:t>
+            </a:r>
+          </a:p>
+          <a:p>
+            <a:pPr>
+              <a:buNone/>
+            </a:pPr>
+            <a:r>
+              <a:rPr lang="en-US" dirty="0"/>
+              <a:t>That’s exactly what Auto Wiring does—it automatically injects dependencies into your beans, so you don’t have to configure them manually. This feature significantly reduces boilerplate code and makes your application more flexible.</a:t>
+            </a:r>
+          </a:p>
+          <a:p>
+            <a:pPr>
+              <a:buNone/>
+            </a:pPr>
+            <a:r>
+              <a:rPr lang="en-US" dirty="0"/>
+              <a:t>Spring Auto Wiring is part of </a:t>
+            </a:r>
+            <a:r>
+              <a:rPr lang="en-US" b="1" dirty="0"/>
+              <a:t>Spring’s Dependency Injection (DI)</a:t>
+            </a:r>
+            <a:r>
+              <a:rPr lang="en-US" dirty="0"/>
+              <a:t> mechanism. Instead of you deciding which objects to pass to a class, Spring automatically injects the required dependencies. This makes the code cleaner and easier to manage, especially in large applications.</a:t>
+            </a:r>
+          </a:p>
+          <a:p>
+            <a:pPr>
+              <a:buNone/>
+            </a:pPr>
+            <a:r>
+              <a:rPr lang="en-US" b="1" dirty="0"/>
+              <a:t>Benefits of Auto Wiring</a:t>
+            </a:r>
+          </a:p>
+          <a:p>
+            <a:pPr>
+              <a:buNone/>
+            </a:pPr>
+            <a:r>
+              <a:rPr lang="en-US" dirty="0"/>
+              <a:t>Now, why should you care about Auto Wiring? Simple—less work, fewer headaches!</a:t>
+            </a:r>
+          </a:p>
+          <a:p>
+            <a:pPr>
+              <a:buFont typeface="Arial" panose="020B0604020202020204" pitchFamily="34" charset="0"/>
+              <a:buChar char="•"/>
+            </a:pPr>
+            <a:r>
+              <a:rPr lang="en-US" b="1" dirty="0"/>
+              <a:t>Reduces manual dependency injection</a:t>
+            </a:r>
+            <a:r>
+              <a:rPr lang="en-US" dirty="0"/>
+              <a:t> – Without Auto Wiring, you’d have to define dependencies explicitly in an XML file or a Java-based configuration. That’s extra work! Auto Wiring removes this hassle by injecting the correct bean automatically.</a:t>
+            </a:r>
+          </a:p>
+          <a:p>
+            <a:pPr>
+              <a:buFont typeface="Arial" panose="020B0604020202020204" pitchFamily="34" charset="0"/>
+              <a:buChar char="•"/>
+            </a:pPr>
+            <a:r>
+              <a:rPr lang="en-US" b="1" dirty="0"/>
+              <a:t>Improves maintainability and scalability</a:t>
+            </a:r>
+            <a:r>
+              <a:rPr lang="en-US" dirty="0"/>
+              <a:t> – As your project grows, adding new dependencies manually can get messy. Auto Wiring ensures that dependencies are managed in a scalable way.</a:t>
+            </a:r>
+          </a:p>
+          <a:p>
+            <a:pPr>
+              <a:buFont typeface="Arial" panose="020B0604020202020204" pitchFamily="34" charset="0"/>
+              <a:buChar char="•"/>
+            </a:pPr>
+            <a:r>
+              <a:rPr lang="en-US" b="1" dirty="0"/>
+              <a:t>Automatically resolves dependencies based on type, name, or qualifier</a:t>
+            </a:r>
+            <a:r>
+              <a:rPr lang="en-US" dirty="0"/>
+              <a:t> – Instead of you specifying which object to use, Spring can </a:t>
+            </a:r>
+            <a:r>
+              <a:rPr lang="en-US" b="1" dirty="0"/>
+              <a:t>intelligently</a:t>
+            </a:r>
+            <a:r>
+              <a:rPr lang="en-US" dirty="0"/>
+              <a:t> determine the right dependency.</a:t>
+            </a:r>
+          </a:p>
+          <a:p>
+            <a:pPr>
+              <a:buNone/>
+            </a:pPr>
+            <a:r>
+              <a:rPr lang="en-US" dirty="0"/>
+              <a:t>This is particularly useful in enterprise applications where there are </a:t>
+            </a:r>
+            <a:r>
+              <a:rPr lang="en-US" b="1" dirty="0"/>
+              <a:t>hundreds of beans</a:t>
+            </a:r>
+            <a:r>
+              <a:rPr lang="en-US" dirty="0"/>
+              <a:t>. Auto Wiring makes it easier to manage them without writing repetitive configuration code.</a:t>
+            </a:r>
+          </a:p>
+          <a:p>
+            <a:pPr>
+              <a:buNone/>
+            </a:pPr>
+            <a:r>
+              <a:rPr lang="en-US" b="1" dirty="0"/>
+              <a:t>Auto Wiring Example - Car and Engine</a:t>
+            </a:r>
+          </a:p>
+          <a:p>
+            <a:pPr>
+              <a:buNone/>
+            </a:pPr>
+            <a:r>
+              <a:rPr lang="en-US" dirty="0"/>
+              <a:t>Let’s make this more relatable. Think of a Car and an Engine. A car needs an engine to function, right?</a:t>
+            </a:r>
+          </a:p>
+          <a:p>
+            <a:pPr>
+              <a:buNone/>
+            </a:pPr>
+            <a:r>
+              <a:rPr lang="en-US" dirty="0"/>
+              <a:t>Normally, you’d manually create an Engine object and pass it to the Car class. But with Spring Auto Wiring, you don’t have to do that.</a:t>
+            </a:r>
+          </a:p>
+          <a:p>
+            <a:pPr>
+              <a:buNone/>
+            </a:pPr>
+            <a:r>
+              <a:rPr lang="en-US" dirty="0"/>
+              <a:t>Here’s what happens:</a:t>
+            </a:r>
+          </a:p>
+          <a:p>
+            <a:pPr>
+              <a:buFont typeface="+mj-lt"/>
+              <a:buAutoNum type="arabicPeriod"/>
+            </a:pPr>
+            <a:r>
+              <a:rPr lang="en-US" dirty="0"/>
+              <a:t>You define an Engine bean and a Car bean.</a:t>
+            </a:r>
+          </a:p>
+          <a:p>
+            <a:pPr>
+              <a:buFont typeface="+mj-lt"/>
+              <a:buAutoNum type="arabicPeriod"/>
+            </a:pPr>
+            <a:r>
+              <a:rPr lang="en-US" dirty="0"/>
+              <a:t>Spring automatically injects the Engine into the Car based on predefined rules.</a:t>
+            </a:r>
+          </a:p>
+          <a:p>
+            <a:pPr>
+              <a:buFont typeface="+mj-lt"/>
+              <a:buAutoNum type="arabicPeriod"/>
+            </a:pPr>
+            <a:r>
+              <a:rPr lang="en-US" dirty="0"/>
+              <a:t>You don’t need to explicitly specify it in your configuration—Spring </a:t>
+            </a:r>
+            <a:r>
+              <a:rPr lang="en-US" b="1" dirty="0"/>
+              <a:t>wires it automatically</a:t>
+            </a:r>
+            <a:r>
+              <a:rPr lang="en-US" dirty="0"/>
+              <a:t>.</a:t>
+            </a:r>
+          </a:p>
+          <a:p>
+            <a:pPr>
+              <a:buNone/>
+            </a:pPr>
+            <a:r>
+              <a:rPr lang="en-US" dirty="0"/>
+              <a:t>This is an example of </a:t>
+            </a:r>
+            <a:r>
+              <a:rPr lang="en-US" b="1" dirty="0"/>
+              <a:t>loose coupling</a:t>
+            </a:r>
+            <a:r>
+              <a:rPr lang="en-US" dirty="0"/>
+              <a:t>, where the Car class doesn’t need to worry about how the Engine is provided. Spring manages the dependency for you!</a:t>
+            </a:r>
+          </a:p>
+          <a:p>
+            <a:pPr>
+              <a:buNone/>
+            </a:pPr>
+            <a:r>
+              <a:rPr lang="en-US" b="1" dirty="0"/>
+              <a:t>Types of Auto Wiring</a:t>
+            </a:r>
+          </a:p>
+          <a:p>
+            <a:pPr>
+              <a:buNone/>
+            </a:pPr>
+            <a:r>
+              <a:rPr lang="en-US" dirty="0"/>
+              <a:t>Spring offers multiple ways to wire dependencies, and each method has its advantages:</a:t>
+            </a:r>
+          </a:p>
+          <a:p>
+            <a:pPr>
+              <a:buFont typeface="+mj-lt"/>
+              <a:buAutoNum type="arabicPeriod"/>
+            </a:pPr>
+            <a:r>
+              <a:rPr lang="en-US" b="1" dirty="0"/>
+              <a:t>By Type</a:t>
+            </a:r>
+            <a:r>
+              <a:rPr lang="en-US" dirty="0"/>
+              <a:t> – Spring looks at the class type of the dependency and injects it if there’s exactly one matching bean.</a:t>
+            </a:r>
+          </a:p>
+          <a:p>
+            <a:pPr>
+              <a:buFont typeface="+mj-lt"/>
+              <a:buAutoNum type="arabicPeriod"/>
+            </a:pPr>
+            <a:r>
+              <a:rPr lang="en-US" b="1" dirty="0"/>
+              <a:t>By Name</a:t>
+            </a:r>
+            <a:r>
+              <a:rPr lang="en-US" dirty="0"/>
+              <a:t> – If a bean’s name matches the variable name in the dependent class, Spring assigns it automatically.</a:t>
+            </a:r>
+          </a:p>
+          <a:p>
+            <a:pPr>
+              <a:buFont typeface="+mj-lt"/>
+              <a:buAutoNum type="arabicPeriod"/>
+            </a:pPr>
+            <a:r>
+              <a:rPr lang="en-US" b="1" dirty="0"/>
+              <a:t>Using Qualifiers</a:t>
+            </a:r>
+            <a:r>
+              <a:rPr lang="en-US" dirty="0"/>
+              <a:t> – If there are multiple beans of the same type, you can use the @Qualifier annotation to specify exactly which one to use.</a:t>
+            </a:r>
+          </a:p>
+          <a:p>
+            <a:pPr>
+              <a:buNone/>
+            </a:pPr>
+            <a:r>
+              <a:rPr lang="en-US" dirty="0"/>
+              <a:t>Each method provides a different level of control. </a:t>
+            </a:r>
+            <a:r>
+              <a:rPr lang="en-US" b="1" dirty="0"/>
+              <a:t>By Type</a:t>
+            </a:r>
+            <a:r>
+              <a:rPr lang="en-US" dirty="0"/>
+              <a:t> is quick and works in most cases, but </a:t>
+            </a:r>
+            <a:r>
+              <a:rPr lang="en-US" b="1" dirty="0"/>
+              <a:t>By Name</a:t>
+            </a:r>
+            <a:r>
+              <a:rPr lang="en-US" dirty="0"/>
+              <a:t> gives you more precision. And when you have multiple beans of the same type, </a:t>
+            </a:r>
+            <a:r>
+              <a:rPr lang="en-US" b="1" dirty="0"/>
+              <a:t>Qualifiers</a:t>
+            </a:r>
+            <a:r>
+              <a:rPr lang="en-US" dirty="0"/>
+              <a:t> ensure you’re injecting the correct one.</a:t>
+            </a:r>
+          </a:p>
+          <a:p>
+            <a:pPr>
+              <a:buNone/>
+            </a:pPr>
+            <a:r>
+              <a:rPr lang="en-US" b="1" dirty="0"/>
+              <a:t>Potential Issues with Auto Wiring</a:t>
+            </a:r>
+          </a:p>
+          <a:p>
+            <a:pPr>
+              <a:buNone/>
+            </a:pPr>
+            <a:r>
+              <a:rPr lang="en-US" dirty="0"/>
+              <a:t>Auto Wiring is great, but it’s not foolproof. Here are some common challenges you might face:</a:t>
+            </a:r>
+          </a:p>
+          <a:p>
+            <a:pPr>
+              <a:buFont typeface="+mj-lt"/>
+              <a:buAutoNum type="arabicPeriod"/>
+            </a:pPr>
+            <a:r>
+              <a:rPr lang="en-US" b="1" dirty="0"/>
+              <a:t>Multiple Beans of the Same Type</a:t>
+            </a:r>
+            <a:r>
+              <a:rPr lang="en-US" dirty="0"/>
+              <a:t> – If you have multiple beans of the same class, Spring doesn’t know which one to choose and throws an error.</a:t>
+            </a:r>
+          </a:p>
+          <a:p>
+            <a:pPr>
+              <a:buFont typeface="+mj-lt"/>
+              <a:buAutoNum type="arabicPeriod"/>
+            </a:pPr>
+            <a:r>
+              <a:rPr lang="en-US" b="1" dirty="0"/>
+              <a:t>No Matching Bean Found</a:t>
+            </a:r>
+            <a:r>
+              <a:rPr lang="en-US" dirty="0"/>
+              <a:t> – If Spring can’t find a suitable bean to inject, it will fail.</a:t>
+            </a:r>
+          </a:p>
+          <a:p>
+            <a:pPr>
+              <a:buFont typeface="+mj-lt"/>
+              <a:buAutoNum type="arabicPeriod"/>
+            </a:pPr>
+            <a:r>
+              <a:rPr lang="en-US" b="1" dirty="0"/>
+              <a:t>Conflicts Without Qualifiers</a:t>
+            </a:r>
+            <a:r>
+              <a:rPr lang="en-US" dirty="0"/>
+              <a:t> – When multiple beans exist, you need to use @Qualifier to tell Spring exactly which one to inject.</a:t>
+            </a:r>
+          </a:p>
+          <a:p>
+            <a:pPr>
+              <a:buNone/>
+            </a:pPr>
+            <a:r>
+              <a:rPr lang="en-US" dirty="0"/>
+              <a:t>To prevent these issues, it’s a good practice to:</a:t>
+            </a:r>
+          </a:p>
+          <a:p>
+            <a:pPr>
+              <a:buFont typeface="Arial" panose="020B0604020202020204" pitchFamily="34" charset="0"/>
+              <a:buChar char="•"/>
+            </a:pPr>
+            <a:r>
+              <a:rPr lang="en-US" dirty="0"/>
+              <a:t>Always define unique names for your beans.</a:t>
+            </a:r>
+          </a:p>
+          <a:p>
+            <a:pPr>
+              <a:buFont typeface="Arial" panose="020B0604020202020204" pitchFamily="34" charset="0"/>
+              <a:buChar char="•"/>
+            </a:pPr>
+            <a:r>
+              <a:rPr lang="en-US" dirty="0"/>
+              <a:t>Use @Primary to mark a default bean when multiple exist.</a:t>
+            </a:r>
+          </a:p>
+          <a:p>
+            <a:pPr>
+              <a:buFont typeface="Arial" panose="020B0604020202020204" pitchFamily="34" charset="0"/>
+              <a:buChar char="•"/>
+            </a:pPr>
+            <a:r>
+              <a:rPr lang="en-US" dirty="0"/>
+              <a:t>Use @Qualifier to specify the exact bean to inject when needed.</a:t>
+            </a:r>
+          </a:p>
+          <a:p>
+            <a:pPr>
+              <a:buNone/>
+            </a:pPr>
+            <a:r>
+              <a:rPr lang="en-US" dirty="0"/>
+              <a:t>Handling these situations properly ensures that Auto Wiring works </a:t>
+            </a:r>
+            <a:r>
+              <a:rPr lang="en-US" b="1" dirty="0"/>
+              <a:t>smoothly</a:t>
+            </a:r>
+            <a:r>
+              <a:rPr lang="en-US" dirty="0"/>
+              <a:t> in your application.</a:t>
+            </a:r>
+          </a:p>
+          <a:p>
+            <a:pPr>
+              <a:buNone/>
+            </a:pPr>
+            <a:r>
+              <a:rPr lang="en-US" b="1" dirty="0"/>
+              <a:t>Comparison of Auto Wiring Methods</a:t>
+            </a:r>
+          </a:p>
+          <a:p>
+            <a:pPr>
+              <a:buNone/>
+            </a:pPr>
+            <a:r>
+              <a:rPr lang="en-US" dirty="0"/>
+              <a:t>Now, let’s quickly compare the different Auto Wiring methods:</a:t>
+            </a:r>
+          </a:p>
+          <a:p>
+            <a:pPr>
+              <a:buNone/>
+            </a:pPr>
+            <a:r>
+              <a:rPr lang="en-US" b="1" dirty="0" err="1"/>
+              <a:t>MethodDescriptionUse</a:t>
+            </a:r>
+            <a:r>
+              <a:rPr lang="en-US" b="1" dirty="0"/>
+              <a:t> </a:t>
+            </a:r>
+            <a:r>
+              <a:rPr lang="en-US" b="1" dirty="0" err="1"/>
+              <a:t>CaseBy</a:t>
+            </a:r>
+            <a:r>
+              <a:rPr lang="en-US" b="1" dirty="0"/>
+              <a:t> </a:t>
+            </a:r>
+            <a:r>
+              <a:rPr lang="en-US" b="1" dirty="0" err="1"/>
+              <a:t>Type</a:t>
+            </a:r>
+            <a:r>
+              <a:rPr lang="en-US" dirty="0" err="1"/>
+              <a:t>Matches</a:t>
+            </a:r>
+            <a:r>
+              <a:rPr lang="en-US" dirty="0"/>
+              <a:t> dependencies based on class </a:t>
+            </a:r>
+            <a:r>
+              <a:rPr lang="en-US" dirty="0" err="1"/>
+              <a:t>type.When</a:t>
+            </a:r>
+            <a:r>
+              <a:rPr lang="en-US" dirty="0"/>
+              <a:t> there’s only one bean of that </a:t>
+            </a:r>
+            <a:r>
+              <a:rPr lang="en-US" dirty="0" err="1"/>
+              <a:t>type.</a:t>
+            </a:r>
+            <a:r>
+              <a:rPr lang="en-US" b="1" dirty="0" err="1"/>
+              <a:t>By</a:t>
+            </a:r>
+            <a:r>
+              <a:rPr lang="en-US" b="1" dirty="0"/>
+              <a:t> </a:t>
+            </a:r>
+            <a:r>
+              <a:rPr lang="en-US" b="1" dirty="0" err="1"/>
+              <a:t>Name</a:t>
+            </a:r>
+            <a:r>
+              <a:rPr lang="en-US" dirty="0" err="1"/>
+              <a:t>Matches</a:t>
+            </a:r>
+            <a:r>
+              <a:rPr lang="en-US" dirty="0"/>
+              <a:t> dependencies using bean </a:t>
+            </a:r>
+            <a:r>
+              <a:rPr lang="en-US" dirty="0" err="1"/>
+              <a:t>names.When</a:t>
+            </a:r>
+            <a:r>
+              <a:rPr lang="en-US" dirty="0"/>
+              <a:t> bean names are unique and need to be </a:t>
+            </a:r>
+            <a:r>
+              <a:rPr lang="en-US" dirty="0" err="1"/>
+              <a:t>precise.</a:t>
+            </a:r>
+            <a:r>
+              <a:rPr lang="en-US" b="1" dirty="0" err="1"/>
+              <a:t>Using</a:t>
+            </a:r>
+            <a:r>
+              <a:rPr lang="en-US" b="1" dirty="0"/>
+              <a:t> </a:t>
+            </a:r>
+            <a:r>
+              <a:rPr lang="en-US" b="1" dirty="0" err="1"/>
+              <a:t>Qualifiers</a:t>
+            </a:r>
+            <a:r>
+              <a:rPr lang="en-US" dirty="0" err="1"/>
+              <a:t>Specifies</a:t>
+            </a:r>
+            <a:r>
+              <a:rPr lang="en-US" dirty="0"/>
+              <a:t> the exact bean to use when multiple </a:t>
+            </a:r>
+            <a:r>
+              <a:rPr lang="en-US" dirty="0" err="1"/>
+              <a:t>exist.When</a:t>
+            </a:r>
+            <a:r>
+              <a:rPr lang="en-US" dirty="0"/>
+              <a:t> multiple beans match the required type.</a:t>
+            </a:r>
+          </a:p>
+          <a:p>
+            <a:pPr>
+              <a:buNone/>
+            </a:pPr>
+            <a:r>
+              <a:rPr lang="en-US" dirty="0"/>
+              <a:t>If your application has </a:t>
+            </a:r>
+            <a:r>
+              <a:rPr lang="en-US" b="1" dirty="0"/>
+              <a:t>multiple beans of the same type</a:t>
+            </a:r>
+            <a:r>
+              <a:rPr lang="en-US" dirty="0"/>
+              <a:t>, using @Qualifier is the safest way to ensure Spring injects the right one.</a:t>
+            </a:r>
+          </a:p>
+          <a:p>
+            <a:pPr>
+              <a:buNone/>
+            </a:pPr>
+            <a:r>
+              <a:rPr lang="en-US" b="1" dirty="0"/>
+              <a:t>Final Thoughts on Auto Wiring</a:t>
+            </a:r>
+          </a:p>
+          <a:p>
+            <a:pPr>
+              <a:buNone/>
+            </a:pPr>
+            <a:r>
+              <a:rPr lang="en-US" dirty="0"/>
+              <a:t>Spring Auto Wiring </a:t>
+            </a:r>
+            <a:r>
+              <a:rPr lang="en-US" b="1" dirty="0"/>
+              <a:t>removes a lot of manual effort</a:t>
+            </a:r>
+            <a:r>
+              <a:rPr lang="en-US" dirty="0"/>
+              <a:t> and makes your applications more flexible. But, like any automation, it needs careful handling. If you don’t manage dependencies correctly, you can run into </a:t>
+            </a:r>
+            <a:r>
+              <a:rPr lang="en-US" b="1" dirty="0"/>
+              <a:t>conflicts, missing dependencies, or unexpected behavior</a:t>
+            </a:r>
+            <a:r>
+              <a:rPr lang="en-US" dirty="0"/>
+              <a:t>.</a:t>
+            </a:r>
+          </a:p>
+          <a:p>
+            <a:pPr>
+              <a:buNone/>
+            </a:pPr>
+            <a:r>
+              <a:rPr lang="en-US" dirty="0"/>
+              <a:t>So, when using Auto Wiring:</a:t>
+            </a:r>
+          </a:p>
+          <a:p>
+            <a:pPr>
+              <a:buFont typeface="Arial" panose="020B0604020202020204" pitchFamily="34" charset="0"/>
+              <a:buChar char="•"/>
+            </a:pPr>
+            <a:r>
+              <a:rPr lang="en-US" b="1" dirty="0"/>
+              <a:t>Understand which wiring method fits your case best</a:t>
+            </a:r>
+            <a:r>
+              <a:rPr lang="en-US" dirty="0"/>
+              <a:t>.</a:t>
+            </a:r>
+          </a:p>
+          <a:p>
+            <a:pPr>
+              <a:buFont typeface="Arial" panose="020B0604020202020204" pitchFamily="34" charset="0"/>
+              <a:buChar char="•"/>
+            </a:pPr>
+            <a:r>
+              <a:rPr lang="en-US" b="1" dirty="0"/>
+              <a:t>Use @Qualifier when multiple beans exist</a:t>
+            </a:r>
+            <a:r>
+              <a:rPr lang="en-US" dirty="0"/>
+              <a:t> to avoid confusion.</a:t>
+            </a:r>
+          </a:p>
+          <a:p>
+            <a:pPr>
+              <a:buFont typeface="Arial" panose="020B0604020202020204" pitchFamily="34" charset="0"/>
+              <a:buChar char="•"/>
+            </a:pPr>
+            <a:r>
+              <a:rPr lang="en-US" b="1" dirty="0"/>
+              <a:t>Keep your beans well-organized</a:t>
+            </a:r>
+            <a:r>
+              <a:rPr lang="en-US" dirty="0"/>
+              <a:t> so Spring can resolve dependencies correctly.</a:t>
+            </a:r>
+          </a:p>
+          <a:p>
+            <a:pPr>
+              <a:buNone/>
+            </a:pPr>
+            <a:r>
+              <a:rPr lang="en-US" dirty="0"/>
+              <a:t>By following best practices, you can </a:t>
+            </a:r>
+            <a:r>
+              <a:rPr lang="en-US" b="1" dirty="0"/>
+              <a:t>fully leverage Spring Auto Wiring</a:t>
+            </a:r>
+            <a:r>
+              <a:rPr lang="en-US" dirty="0"/>
+              <a:t> to build </a:t>
+            </a:r>
+            <a:r>
+              <a:rPr lang="en-US" b="1" dirty="0"/>
+              <a:t>efficient, scalable applications</a:t>
+            </a:r>
+            <a:r>
+              <a:rPr lang="en-US" dirty="0"/>
+              <a:t>.</a:t>
+            </a:r>
+          </a:p>
+          <a:p>
+            <a:r>
+              <a:rPr lang="en-US" dirty="0"/>
+              <a:t>This version adds </a:t>
+            </a:r>
+            <a:r>
+              <a:rPr lang="en-US" b="1" dirty="0"/>
+              <a:t>deeper explanations</a:t>
+            </a:r>
+            <a:r>
+              <a:rPr lang="en-US" dirty="0"/>
+              <a:t> while keeping it engaging and easy to follow. Let me know if you’d like any more refinements! 🚀</a:t>
+            </a:r>
+          </a:p>
+          <a:p>
+            <a:endParaRPr lang="en-US" dirty="0"/>
+          </a:p>
+          <a:p>
+            <a:endParaRPr lang="en-IN" dirty="0"/>
+          </a:p>
+        </p:txBody>
+      </p:sp>
+      <p:sp>
+        <p:nvSpPr>
+          <p:cNvPr id="4" name="Slide Number Placeholder 3"/>
+          <p:cNvSpPr>
+            <a:spLocks noGrp="1"/>
+          </p:cNvSpPr>
+          <p:nvPr>
+            <p:ph type="sldNum" sz="quarter" idx="5"/>
+          </p:nvPr>
+        </p:nvSpPr>
+        <p:spPr/>
+        <p:txBody>
+          <a:bodyPr/>
+          <a:lstStyle/>
+          <a:p>
+            <a:fld id="{219962EA-600B-46E2-892E-72EDFC7AE134}" type="slidenum">
+              <a:rPr lang="en-IN" smtClean="0"/>
+              <a:t>1</a:t>
+            </a:fld>
+            <a:endParaRPr lang="en-IN"/>
+          </a:p>
+        </p:txBody>
+      </p:sp>
+    </p:spTree>
+    <p:extLst>
+      <p:ext uri="{BB962C8B-B14F-4D97-AF65-F5344CB8AC3E}">
+        <p14:creationId xmlns:p14="http://schemas.microsoft.com/office/powerpoint/2010/main" val="559895863"/>
+      </p:ext>
+    </p:extLst>
+  </p:cSld>
+  <p:clrMapOvr>
+    <a:masterClrMapping/>
+  </p:clrMapOvr>
+</p:notes>
+</file>
+
+<file path=ppt/notesSlides/notesSlide2.xml><?xml version="1.0" encoding="utf-8"?>
+<p:notes xmlns:a="http://schemas.openxmlformats.org/drawingml/2006/main" xmlns:r="http://schemas.openxmlformats.org/officeDocument/2006/relationships" xmlns:p="http://schemas.openxmlformats.org/presentationml/2006/main">
+  <p:cSld>
+    <p:spTree>
+      <p:nvGrpSpPr>
+        <p:cNvPr id="1" name=""/>
+        <p:cNvGrpSpPr/>
+        <p:nvPr/>
+      </p:nvGrpSpPr>
+      <p:grpSpPr>
+        <a:xfrm>
+          <a:off x="0" y="0"/>
+          <a:ext cx="0" cy="0"/>
+          <a:chOff x="0" y="0"/>
+          <a:chExt cx="0" cy="0"/>
+        </a:xfrm>
+      </p:grpSpPr>
+      <p:sp>
+        <p:nvSpPr>
+          <p:cNvPr id="2" name="Slide Image Placeholder 1"/>
+          <p:cNvSpPr>
+            <a:spLocks noGrp="1" noRot="1" noChangeAspect="1"/>
+          </p:cNvSpPr>
+          <p:nvPr>
+            <p:ph type="sldImg"/>
+          </p:nvPr>
+        </p:nvSpPr>
+        <p:spPr/>
+      </p:sp>
+      <p:sp>
+        <p:nvSpPr>
+          <p:cNvPr id="3" name="Notes Placeholder 2"/>
+          <p:cNvSpPr>
+            <a:spLocks noGrp="1"/>
+          </p:cNvSpPr>
+          <p:nvPr>
+            <p:ph type="body" idx="1"/>
+          </p:nvPr>
+        </p:nvSpPr>
+        <p:spPr/>
+        <p:txBody>
+          <a:bodyPr/>
+          <a:lstStyle/>
+          <a:p>
+            <a:pPr>
+              <a:buNone/>
+            </a:pPr>
+            <a:r>
+              <a:rPr lang="en-US" b="1" dirty="0"/>
+              <a:t>YouTube Title:</a:t>
+            </a:r>
+          </a:p>
+          <a:p>
+            <a:pPr>
+              <a:buNone/>
+            </a:pPr>
+            <a:r>
+              <a:rPr lang="en-US" dirty="0"/>
+              <a:t>🔹 Spring Auto Wiring Explained with Real-World Example | Dependency Injection in Spring</a:t>
+            </a:r>
+          </a:p>
+          <a:p>
+            <a:pPr>
+              <a:buNone/>
+            </a:pPr>
+            <a:r>
+              <a:rPr lang="en-US" b="1" dirty="0"/>
+              <a:t>YouTube Description:</a:t>
+            </a:r>
+          </a:p>
+          <a:p>
+            <a:pPr>
+              <a:buNone/>
+            </a:pPr>
+            <a:r>
+              <a:rPr lang="en-US" dirty="0"/>
+              <a:t>🚀 </a:t>
+            </a:r>
+            <a:r>
+              <a:rPr lang="en-US" b="1" dirty="0"/>
+              <a:t>Spring Auto Wiring</a:t>
+            </a:r>
+            <a:r>
+              <a:rPr lang="en-US" dirty="0"/>
+              <a:t> is a powerful feature that simplifies </a:t>
+            </a:r>
+            <a:r>
+              <a:rPr lang="en-US" b="1" dirty="0"/>
+              <a:t>dependency injection</a:t>
+            </a:r>
+            <a:r>
+              <a:rPr lang="en-US" dirty="0"/>
+              <a:t> by automatically resolving and injecting dependencies into beans. In this video, we explain:</a:t>
+            </a:r>
+          </a:p>
+          <a:p>
+            <a:pPr>
+              <a:buNone/>
+            </a:pPr>
+            <a:r>
+              <a:rPr lang="en-US" dirty="0"/>
+              <a:t>✅ What is Auto Wiring in Spring?</a:t>
+            </a:r>
+            <a:br>
+              <a:rPr lang="en-US" dirty="0"/>
+            </a:br>
+            <a:r>
+              <a:rPr lang="en-US" dirty="0"/>
+              <a:t>✅ How Spring automatically injects dependencies?</a:t>
+            </a:r>
+            <a:br>
+              <a:rPr lang="en-US" dirty="0"/>
+            </a:br>
+            <a:r>
+              <a:rPr lang="en-US" dirty="0"/>
+              <a:t>✅ Real-world example: Car and Engine dependency</a:t>
+            </a:r>
+            <a:br>
+              <a:rPr lang="en-US" dirty="0"/>
+            </a:br>
+            <a:r>
+              <a:rPr lang="en-US" dirty="0"/>
+              <a:t>✅ Different types of Auto Wiring (By Type, By Name, Using Qualifiers)</a:t>
+            </a:r>
+            <a:br>
+              <a:rPr lang="en-US" dirty="0"/>
+            </a:br>
+            <a:r>
+              <a:rPr lang="en-US" dirty="0"/>
+              <a:t>✅ How Auto Wiring reduces manual configuration?</a:t>
+            </a:r>
+            <a:br>
+              <a:rPr lang="en-US" dirty="0"/>
+            </a:br>
+            <a:r>
+              <a:rPr lang="en-US" dirty="0"/>
+              <a:t>✅ Potential issues and how to resolve them</a:t>
+            </a:r>
+          </a:p>
+          <a:p>
+            <a:pPr>
+              <a:buNone/>
+            </a:pPr>
+            <a:r>
+              <a:rPr lang="en-US" dirty="0"/>
+              <a:t>📌 </a:t>
+            </a:r>
+            <a:r>
+              <a:rPr lang="en-US" b="1" dirty="0"/>
+              <a:t>Why watch this video?</a:t>
+            </a:r>
+            <a:endParaRPr lang="en-US" dirty="0"/>
+          </a:p>
+          <a:p>
+            <a:pPr>
+              <a:buFont typeface="Arial" panose="020B0604020202020204" pitchFamily="34" charset="0"/>
+              <a:buChar char="•"/>
+            </a:pPr>
+            <a:r>
+              <a:rPr lang="en-US" dirty="0"/>
+              <a:t>Saves time by understanding automatic dependency injection</a:t>
+            </a:r>
+          </a:p>
+          <a:p>
+            <a:pPr>
+              <a:buFont typeface="Arial" panose="020B0604020202020204" pitchFamily="34" charset="0"/>
+              <a:buChar char="•"/>
+            </a:pPr>
+            <a:r>
+              <a:rPr lang="en-US" dirty="0"/>
+              <a:t>Helps in building scalable Spring applications</a:t>
+            </a:r>
+          </a:p>
+          <a:p>
+            <a:pPr>
+              <a:buNone/>
+            </a:pPr>
+            <a:r>
+              <a:rPr lang="en-US" dirty="0"/>
+              <a:t>🔔 </a:t>
+            </a:r>
+            <a:r>
+              <a:rPr lang="en-US" b="1" dirty="0"/>
+              <a:t>Subscribe for more tech insights on Spring and Backend Development!</a:t>
+            </a:r>
+            <a:endParaRPr lang="en-US" dirty="0"/>
+          </a:p>
+          <a:p>
+            <a:pPr>
+              <a:buNone/>
+            </a:pPr>
+            <a:r>
+              <a:rPr lang="en-US" dirty="0"/>
+              <a:t>📢 </a:t>
+            </a:r>
+            <a:r>
+              <a:rPr lang="en-US" b="1" dirty="0"/>
+              <a:t>Follow for updates:</a:t>
+            </a:r>
+            <a:br>
+              <a:rPr lang="en-US" dirty="0"/>
+            </a:br>
+            <a:r>
+              <a:rPr lang="en-US" dirty="0"/>
+              <a:t>💻 Instagram | Twitter | LinkedIn</a:t>
+            </a:r>
+          </a:p>
+          <a:p>
+            <a:r>
+              <a:rPr lang="en-US" dirty="0"/>
+              <a:t>#SpringBoot #SpringFramework #DependencyInjection #SpringAutoWiring #BackendDevelopment #JavaSpring #SpringBootTutorial</a:t>
+            </a:r>
+          </a:p>
+          <a:p>
+            <a:endParaRPr lang="en-US"/>
+          </a:p>
+          <a:p>
+            <a:endParaRPr lang="en-IN"/>
+          </a:p>
+        </p:txBody>
+      </p:sp>
+      <p:sp>
+        <p:nvSpPr>
+          <p:cNvPr id="4" name="Slide Number Placeholder 3"/>
+          <p:cNvSpPr>
+            <a:spLocks noGrp="1"/>
+          </p:cNvSpPr>
+          <p:nvPr>
+            <p:ph type="sldNum" sz="quarter" idx="5"/>
+          </p:nvPr>
+        </p:nvSpPr>
+        <p:spPr/>
+        <p:txBody>
+          <a:bodyPr/>
+          <a:lstStyle/>
+          <a:p>
+            <a:fld id="{219962EA-600B-46E2-892E-72EDFC7AE134}" type="slidenum">
+              <a:rPr lang="en-IN" smtClean="0"/>
+              <a:t>2</a:t>
+            </a:fld>
+            <a:endParaRPr lang="en-IN"/>
+          </a:p>
+        </p:txBody>
+      </p:sp>
+    </p:spTree>
+    <p:extLst>
+      <p:ext uri="{BB962C8B-B14F-4D97-AF65-F5344CB8AC3E}">
+        <p14:creationId xmlns:p14="http://schemas.microsoft.com/office/powerpoint/2010/main" val="4096556776"/>
+      </p:ext>
+    </p:extLst>
+  </p:cSld>
+  <p:clrMapOvr>
+    <a:masterClrMapping/>
+  </p:clrMapOvr>
+</p:notes>
 </file>
 
 <file path=ppt/slideLayouts/slideLayout1.xml><?xml version="1.0" encoding="utf-8"?>
@@ -463,7 +1853,7 @@
           <a:p>
             <a:fld id="{5BCAD085-E8A6-8845-BD4E-CB4CCA059FC4}" type="datetimeFigureOut">
               <a:rPr lang="en-US" smtClean="0"/>
-              <a:t>4/5/2025</a:t>
+              <a:t>4/6/2025</a:t>
             </a:fld>
             <a:endParaRPr lang="en-US"/>
           </a:p>
@@ -554,7 +1944,7 @@
     </p:spTree>
     <p:extLst>
       <p:ext uri="{BB962C8B-B14F-4D97-AF65-F5344CB8AC3E}">
-        <p14:creationId xmlns:p14="http://schemas.microsoft.com/office/powerpoint/2010/main" val="1434512308"/>
+        <p14:creationId xmlns:p14="http://schemas.microsoft.com/office/powerpoint/2010/main" val="1161472345"/>
       </p:ext>
     </p:extLst>
   </p:cSld>
@@ -787,7 +2177,7 @@
           <a:p>
             <a:fld id="{5BCAD085-E8A6-8845-BD4E-CB4CCA059FC4}" type="datetimeFigureOut">
               <a:rPr lang="en-US" smtClean="0"/>
-              <a:t>4/5/2025</a:t>
+              <a:t>4/6/2025</a:t>
             </a:fld>
             <a:endParaRPr lang="en-US"/>
           </a:p>
@@ -838,7 +2228,7 @@
     </p:spTree>
     <p:extLst>
       <p:ext uri="{BB962C8B-B14F-4D97-AF65-F5344CB8AC3E}">
-        <p14:creationId xmlns:p14="http://schemas.microsoft.com/office/powerpoint/2010/main" val="1317060174"/>
+        <p14:creationId xmlns:p14="http://schemas.microsoft.com/office/powerpoint/2010/main" val="2972354588"/>
       </p:ext>
     </p:extLst>
   </p:cSld>
@@ -1035,7 +2425,7 @@
           <a:p>
             <a:fld id="{5BCAD085-E8A6-8845-BD4E-CB4CCA059FC4}" type="datetimeFigureOut">
               <a:rPr lang="en-US" smtClean="0"/>
-              <a:t>4/5/2025</a:t>
+              <a:t>4/6/2025</a:t>
             </a:fld>
             <a:endParaRPr lang="en-US"/>
           </a:p>
@@ -1117,7 +2507,7 @@
     </p:spTree>
     <p:extLst>
       <p:ext uri="{BB962C8B-B14F-4D97-AF65-F5344CB8AC3E}">
-        <p14:creationId xmlns:p14="http://schemas.microsoft.com/office/powerpoint/2010/main" val="902299500"/>
+        <p14:creationId xmlns:p14="http://schemas.microsoft.com/office/powerpoint/2010/main" val="2161548428"/>
       </p:ext>
     </p:extLst>
   </p:cSld>
@@ -1374,7 +2764,7 @@
           <a:p>
             <a:fld id="{5BCAD085-E8A6-8845-BD4E-CB4CCA059FC4}" type="datetimeFigureOut">
               <a:rPr lang="en-US" smtClean="0"/>
-              <a:t>4/5/2025</a:t>
+              <a:t>4/6/2025</a:t>
             </a:fld>
             <a:endParaRPr lang="en-US"/>
           </a:p>
@@ -1524,7 +2914,7 @@
     </p:spTree>
     <p:extLst>
       <p:ext uri="{BB962C8B-B14F-4D97-AF65-F5344CB8AC3E}">
-        <p14:creationId xmlns:p14="http://schemas.microsoft.com/office/powerpoint/2010/main" val="3128647124"/>
+        <p14:creationId xmlns:p14="http://schemas.microsoft.com/office/powerpoint/2010/main" val="2645872748"/>
       </p:ext>
     </p:extLst>
   </p:cSld>
@@ -1721,7 +3111,7 @@
           <a:p>
             <a:fld id="{5BCAD085-E8A6-8845-BD4E-CB4CCA059FC4}" type="datetimeFigureOut">
               <a:rPr lang="en-US" smtClean="0"/>
-              <a:t>4/5/2025</a:t>
+              <a:t>4/6/2025</a:t>
             </a:fld>
             <a:endParaRPr lang="en-US"/>
           </a:p>
@@ -1772,7 +3162,7 @@
     </p:spTree>
     <p:extLst>
       <p:ext uri="{BB962C8B-B14F-4D97-AF65-F5344CB8AC3E}">
-        <p14:creationId xmlns:p14="http://schemas.microsoft.com/office/powerpoint/2010/main" val="3636747764"/>
+        <p14:creationId xmlns:p14="http://schemas.microsoft.com/office/powerpoint/2010/main" val="2048932634"/>
       </p:ext>
     </p:extLst>
   </p:cSld>
@@ -2095,7 +3485,7 @@
           <a:p>
             <a:fld id="{5BCAD085-E8A6-8845-BD4E-CB4CCA059FC4}" type="datetimeFigureOut">
               <a:rPr lang="en-US" smtClean="0"/>
-              <a:t>4/5/2025</a:t>
+              <a:t>4/6/2025</a:t>
             </a:fld>
             <a:endParaRPr lang="en-US"/>
           </a:p>
@@ -2245,7 +3635,7 @@
     </p:spTree>
     <p:extLst>
       <p:ext uri="{BB962C8B-B14F-4D97-AF65-F5344CB8AC3E}">
-        <p14:creationId xmlns:p14="http://schemas.microsoft.com/office/powerpoint/2010/main" val="3912864550"/>
+        <p14:creationId xmlns:p14="http://schemas.microsoft.com/office/powerpoint/2010/main" val="1459492442"/>
       </p:ext>
     </p:extLst>
   </p:cSld>
@@ -2565,7 +3955,7 @@
           <a:p>
             <a:fld id="{5BCAD085-E8A6-8845-BD4E-CB4CCA059FC4}" type="datetimeFigureOut">
               <a:rPr lang="en-US" smtClean="0"/>
-              <a:t>4/5/2025</a:t>
+              <a:t>4/6/2025</a:t>
             </a:fld>
             <a:endParaRPr lang="en-US"/>
           </a:p>
@@ -2647,7 +4037,7 @@
     </p:spTree>
     <p:extLst>
       <p:ext uri="{BB962C8B-B14F-4D97-AF65-F5344CB8AC3E}">
-        <p14:creationId xmlns:p14="http://schemas.microsoft.com/office/powerpoint/2010/main" val="271315900"/>
+        <p14:creationId xmlns:p14="http://schemas.microsoft.com/office/powerpoint/2010/main" val="3192764379"/>
       </p:ext>
     </p:extLst>
   </p:cSld>
@@ -2770,7 +4160,7 @@
           <a:p>
             <a:fld id="{5BCAD085-E8A6-8845-BD4E-CB4CCA059FC4}" type="datetimeFigureOut">
               <a:rPr lang="en-US" smtClean="0"/>
-              <a:t>4/5/2025</a:t>
+              <a:t>4/6/2025</a:t>
             </a:fld>
             <a:endParaRPr lang="en-US"/>
           </a:p>
@@ -2852,7 +4242,7 @@
     </p:spTree>
     <p:extLst>
       <p:ext uri="{BB962C8B-B14F-4D97-AF65-F5344CB8AC3E}">
-        <p14:creationId xmlns:p14="http://schemas.microsoft.com/office/powerpoint/2010/main" val="1812919676"/>
+        <p14:creationId xmlns:p14="http://schemas.microsoft.com/office/powerpoint/2010/main" val="2383033230"/>
       </p:ext>
     </p:extLst>
   </p:cSld>
@@ -2981,7 +4371,7 @@
           <a:p>
             <a:fld id="{5BCAD085-E8A6-8845-BD4E-CB4CCA059FC4}" type="datetimeFigureOut">
               <a:rPr lang="en-US" smtClean="0"/>
-              <a:t>4/5/2025</a:t>
+              <a:t>4/6/2025</a:t>
             </a:fld>
             <a:endParaRPr lang="en-US"/>
           </a:p>
@@ -3063,7 +4453,7 @@
     </p:spTree>
     <p:extLst>
       <p:ext uri="{BB962C8B-B14F-4D97-AF65-F5344CB8AC3E}">
-        <p14:creationId xmlns:p14="http://schemas.microsoft.com/office/powerpoint/2010/main" val="1500645082"/>
+        <p14:creationId xmlns:p14="http://schemas.microsoft.com/office/powerpoint/2010/main" val="3047266384"/>
       </p:ext>
     </p:extLst>
   </p:cSld>
@@ -3213,7 +4603,7 @@
           <a:p>
             <a:fld id="{5BCAD085-E8A6-8845-BD4E-CB4CCA059FC4}" type="datetimeFigureOut">
               <a:rPr lang="en-US" smtClean="0"/>
-              <a:t>4/5/2025</a:t>
+              <a:t>4/6/2025</a:t>
             </a:fld>
             <a:endParaRPr lang="en-US"/>
           </a:p>
@@ -3264,7 +4654,7 @@
     </p:spTree>
     <p:extLst>
       <p:ext uri="{BB962C8B-B14F-4D97-AF65-F5344CB8AC3E}">
-        <p14:creationId xmlns:p14="http://schemas.microsoft.com/office/powerpoint/2010/main" val="2937730965"/>
+        <p14:creationId xmlns:p14="http://schemas.microsoft.com/office/powerpoint/2010/main" val="3127958209"/>
       </p:ext>
     </p:extLst>
   </p:cSld>
@@ -3461,7 +4851,7 @@
           <a:p>
             <a:fld id="{5BCAD085-E8A6-8845-BD4E-CB4CCA059FC4}" type="datetimeFigureOut">
               <a:rPr lang="en-US" smtClean="0"/>
-              <a:t>4/5/2025</a:t>
+              <a:t>4/6/2025</a:t>
             </a:fld>
             <a:endParaRPr lang="en-US"/>
           </a:p>
@@ -3543,7 +4933,7 @@
     </p:spTree>
     <p:extLst>
       <p:ext uri="{BB962C8B-B14F-4D97-AF65-F5344CB8AC3E}">
-        <p14:creationId xmlns:p14="http://schemas.microsoft.com/office/powerpoint/2010/main" val="3324736064"/>
+        <p14:creationId xmlns:p14="http://schemas.microsoft.com/office/powerpoint/2010/main" val="1163669741"/>
       </p:ext>
     </p:extLst>
   </p:cSld>
@@ -3759,7 +5149,7 @@
           <a:p>
             <a:fld id="{5BCAD085-E8A6-8845-BD4E-CB4CCA059FC4}" type="datetimeFigureOut">
               <a:rPr lang="en-US" smtClean="0"/>
-              <a:t>4/5/2025</a:t>
+              <a:t>4/6/2025</a:t>
             </a:fld>
             <a:endParaRPr lang="en-US"/>
           </a:p>
@@ -3810,7 +5200,7 @@
     </p:spTree>
     <p:extLst>
       <p:ext uri="{BB962C8B-B14F-4D97-AF65-F5344CB8AC3E}">
-        <p14:creationId xmlns:p14="http://schemas.microsoft.com/office/powerpoint/2010/main" val="2257598335"/>
+        <p14:creationId xmlns:p14="http://schemas.microsoft.com/office/powerpoint/2010/main" val="986406728"/>
       </p:ext>
     </p:extLst>
   </p:cSld>
@@ -4153,7 +5543,7 @@
           <a:p>
             <a:fld id="{5BCAD085-E8A6-8845-BD4E-CB4CCA059FC4}" type="datetimeFigureOut">
               <a:rPr lang="en-US" smtClean="0"/>
-              <a:t>4/5/2025</a:t>
+              <a:t>4/6/2025</a:t>
             </a:fld>
             <a:endParaRPr lang="en-US"/>
           </a:p>
@@ -4235,7 +5625,7 @@
     </p:spTree>
     <p:extLst>
       <p:ext uri="{BB962C8B-B14F-4D97-AF65-F5344CB8AC3E}">
-        <p14:creationId xmlns:p14="http://schemas.microsoft.com/office/powerpoint/2010/main" val="130948795"/>
+        <p14:creationId xmlns:p14="http://schemas.microsoft.com/office/powerpoint/2010/main" val="1809367594"/>
       </p:ext>
     </p:extLst>
   </p:cSld>
@@ -4302,7 +5692,7 @@
           <a:p>
             <a:fld id="{5BCAD085-E8A6-8845-BD4E-CB4CCA059FC4}" type="datetimeFigureOut">
               <a:rPr lang="en-US" smtClean="0"/>
-              <a:t>4/5/2025</a:t>
+              <a:t>4/6/2025</a:t>
             </a:fld>
             <a:endParaRPr lang="en-US"/>
           </a:p>
@@ -4384,7 +5774,7 @@
     </p:spTree>
     <p:extLst>
       <p:ext uri="{BB962C8B-B14F-4D97-AF65-F5344CB8AC3E}">
-        <p14:creationId xmlns:p14="http://schemas.microsoft.com/office/powerpoint/2010/main" val="125015281"/>
+        <p14:creationId xmlns:p14="http://schemas.microsoft.com/office/powerpoint/2010/main" val="3564709311"/>
       </p:ext>
     </p:extLst>
   </p:cSld>
@@ -4428,7 +5818,7 @@
           <a:p>
             <a:fld id="{5BCAD085-E8A6-8845-BD4E-CB4CCA059FC4}" type="datetimeFigureOut">
               <a:rPr lang="en-US" smtClean="0"/>
-              <a:t>4/5/2025</a:t>
+              <a:t>4/6/2025</a:t>
             </a:fld>
             <a:endParaRPr lang="en-US"/>
           </a:p>
@@ -4479,7 +5869,7 @@
     </p:spTree>
     <p:extLst>
       <p:ext uri="{BB962C8B-B14F-4D97-AF65-F5344CB8AC3E}">
-        <p14:creationId xmlns:p14="http://schemas.microsoft.com/office/powerpoint/2010/main" val="3754792302"/>
+        <p14:creationId xmlns:p14="http://schemas.microsoft.com/office/powerpoint/2010/main" val="1300600930"/>
       </p:ext>
     </p:extLst>
   </p:cSld>
@@ -4683,7 +6073,7 @@
           <a:p>
             <a:fld id="{5BCAD085-E8A6-8845-BD4E-CB4CCA059FC4}" type="datetimeFigureOut">
               <a:rPr lang="en-US" smtClean="0"/>
-              <a:t>4/5/2025</a:t>
+              <a:t>4/6/2025</a:t>
             </a:fld>
             <a:endParaRPr lang="en-US"/>
           </a:p>
@@ -4765,7 +6155,7 @@
     </p:spTree>
     <p:extLst>
       <p:ext uri="{BB962C8B-B14F-4D97-AF65-F5344CB8AC3E}">
-        <p14:creationId xmlns:p14="http://schemas.microsoft.com/office/powerpoint/2010/main" val="3694047756"/>
+        <p14:creationId xmlns:p14="http://schemas.microsoft.com/office/powerpoint/2010/main" val="343379782"/>
       </p:ext>
     </p:extLst>
   </p:cSld>
@@ -4998,7 +6388,7 @@
           <a:p>
             <a:fld id="{5BCAD085-E8A6-8845-BD4E-CB4CCA059FC4}" type="datetimeFigureOut">
               <a:rPr lang="en-US" smtClean="0"/>
-              <a:t>4/5/2025</a:t>
+              <a:t>4/6/2025</a:t>
             </a:fld>
             <a:endParaRPr lang="en-US"/>
           </a:p>
@@ -5049,7 +6439,7 @@
     </p:spTree>
     <p:extLst>
       <p:ext uri="{BB962C8B-B14F-4D97-AF65-F5344CB8AC3E}">
-        <p14:creationId xmlns:p14="http://schemas.microsoft.com/office/powerpoint/2010/main" val="2637887909"/>
+        <p14:creationId xmlns:p14="http://schemas.microsoft.com/office/powerpoint/2010/main" val="3986215807"/>
       </p:ext>
     </p:extLst>
   </p:cSld>
@@ -5349,7 +6739,7 @@
           <a:p>
             <a:fld id="{5BCAD085-E8A6-8845-BD4E-CB4CCA059FC4}" type="datetimeFigureOut">
               <a:rPr lang="en-US" smtClean="0"/>
-              <a:t>4/5/2025</a:t>
+              <a:t>4/6/2025</a:t>
             </a:fld>
             <a:endParaRPr lang="en-US"/>
           </a:p>
@@ -5436,7 +6826,7 @@
     </p:spTree>
     <p:extLst>
       <p:ext uri="{BB962C8B-B14F-4D97-AF65-F5344CB8AC3E}">
-        <p14:creationId xmlns:p14="http://schemas.microsoft.com/office/powerpoint/2010/main" val="1798605662"/>
+        <p14:creationId xmlns:p14="http://schemas.microsoft.com/office/powerpoint/2010/main" val="529034470"/>
       </p:ext>
     </p:extLst>
   </p:cSld>
@@ -6191,7 +7581,7 @@
           <a:bodyPr wrap="square"/>
           <a:lstStyle/>
           <a:p>
-            <a:endParaRPr dirty="0"/>
+            <a:endParaRPr/>
           </a:p>
           <a:p>
             <a:pPr algn="ctr">
@@ -6202,7 +7592,6 @@
               </a:defRPr>
             </a:pPr>
             <a:r>
-              <a:rPr dirty="0"/>
               <a:t>Why Use Auto Wiring?</a:t>
             </a:r>
           </a:p>
@@ -6215,15 +7604,13 @@
               </a:defRPr>
             </a:pPr>
             <a:r>
-              <a:rPr dirty="0"/>
               <a:t>- </a:t>
             </a:r>
             <a:r>
-              <a:rPr b="1" dirty="0"/>
+              <a:rPr b="1"/>
               <a:t>Reduces manual dependency injection</a:t>
             </a:r>
             <a:r>
-              <a:rPr dirty="0"/>
               <a:t>.</a:t>
             </a:r>
           </a:p>
@@ -6236,15 +7623,13 @@
               </a:defRPr>
             </a:pPr>
             <a:r>
-              <a:rPr dirty="0"/>
               <a:t>- </a:t>
             </a:r>
             <a:r>
-              <a:rPr b="1" dirty="0"/>
+              <a:rPr b="1"/>
               <a:t>Improves maintainability and scalability</a:t>
             </a:r>
             <a:r>
-              <a:rPr dirty="0"/>
               <a:t>.</a:t>
             </a:r>
           </a:p>
@@ -6257,15 +7642,13 @@
               </a:defRPr>
             </a:pPr>
             <a:r>
-              <a:rPr dirty="0"/>
               <a:t>- </a:t>
             </a:r>
             <a:r>
-              <a:rPr b="1" dirty="0"/>
+              <a:rPr b="1"/>
               <a:t>Automatically resolves dependencies based on type, name, or qualifier</a:t>
             </a:r>
             <a:r>
-              <a:rPr dirty="0"/>
               <a:t>.</a:t>
             </a:r>
           </a:p>
@@ -6657,6 +8040,7 @@
           <a:lstStyle/>
           <a:p>
             <a:r>
+              <a:rPr dirty="0"/>
               <a:t>Auto Wiring Example - Code Snippet</a:t>
             </a:r>
           </a:p>
@@ -6670,14 +8054,14 @@
         </p:nvSpPr>
         <p:spPr>
           <a:xfrm>
-            <a:off x="1071562" y="1900236"/>
-            <a:ext cx="6772275" cy="2308324"/>
+            <a:off x="971552" y="1593055"/>
+            <a:ext cx="7200896" cy="3046988"/>
           </a:xfrm>
           <a:prstGeom prst="rect">
             <a:avLst/>
           </a:prstGeom>
           <a:solidFill>
-            <a:srgbClr val="2E2E2E"/>
+            <a:srgbClr val="1E3A5F"/>
           </a:solidFill>
         </p:spPr>
         <p:txBody>
@@ -6686,7 +8070,7 @@
           </a:bodyPr>
           <a:lstStyle/>
           <a:p>
-            <a:endParaRPr sz="1200" dirty="0"/>
+            <a:endParaRPr sz="1600" dirty="0"/>
           </a:p>
           <a:p>
             <a:pPr algn="l">
@@ -6698,76 +8082,76 @@
               </a:defRPr>
             </a:pPr>
             <a:r>
-              <a:rPr sz="1200" dirty="0"/>
+              <a:rPr sz="1600" dirty="0"/>
               <a:t>// Example of Auto Wiring in Spring</a:t>
             </a:r>
             <a:br>
-              <a:rPr sz="1200" dirty="0"/>
+              <a:rPr sz="1600" dirty="0"/>
             </a:br>
             <a:r>
-              <a:rPr sz="1200" dirty="0"/>
+              <a:rPr sz="1600" dirty="0"/>
               <a:t>@Component</a:t>
             </a:r>
             <a:br>
-              <a:rPr sz="1200" dirty="0"/>
+              <a:rPr sz="1600" dirty="0"/>
             </a:br>
             <a:r>
-              <a:rPr sz="1200" dirty="0"/>
+              <a:rPr sz="1600" dirty="0"/>
               <a:t>class Engine {}</a:t>
             </a:r>
             <a:br>
-              <a:rPr sz="1200" dirty="0"/>
+              <a:rPr sz="1600" dirty="0"/>
             </a:br>
             <a:br>
-              <a:rPr sz="1200" dirty="0"/>
+              <a:rPr sz="1600" dirty="0"/>
             </a:br>
             <a:r>
-              <a:rPr sz="1200" dirty="0"/>
+              <a:rPr sz="1600" dirty="0"/>
               <a:t>@Component</a:t>
             </a:r>
             <a:br>
-              <a:rPr sz="1200" dirty="0"/>
+              <a:rPr sz="1600" dirty="0"/>
             </a:br>
             <a:r>
-              <a:rPr sz="1200" dirty="0"/>
+              <a:rPr sz="1600" dirty="0"/>
               <a:t>class Car {</a:t>
             </a:r>
             <a:br>
-              <a:rPr sz="1200" dirty="0"/>
+              <a:rPr sz="1600" dirty="0"/>
             </a:br>
             <a:r>
-              <a:rPr sz="1200" dirty="0"/>
+              <a:rPr sz="1600" dirty="0"/>
               <a:t>    @Autowired</a:t>
             </a:r>
             <a:br>
-              <a:rPr sz="1200" dirty="0"/>
+              <a:rPr sz="1600" dirty="0"/>
             </a:br>
             <a:r>
-              <a:rPr sz="1200" dirty="0"/>
+              <a:rPr sz="1600" dirty="0"/>
               <a:t>    private Engine </a:t>
             </a:r>
             <a:r>
-              <a:rPr sz="1200" dirty="0" err="1"/>
+              <a:rPr sz="1600" dirty="0" err="1"/>
               <a:t>engine</a:t>
             </a:r>
             <a:r>
-              <a:rPr sz="1200" dirty="0"/>
+              <a:rPr sz="1600" dirty="0"/>
               <a:t>;</a:t>
             </a:r>
             <a:br>
-              <a:rPr sz="1200" dirty="0"/>
+              <a:rPr sz="1600" dirty="0"/>
             </a:br>
             <a:r>
-              <a:rPr sz="1200" dirty="0"/>
+              <a:rPr sz="1600" dirty="0"/>
               <a:t>}</a:t>
             </a:r>
             <a:br>
-              <a:rPr sz="1200" dirty="0"/>
+              <a:rPr sz="1600" dirty="0"/>
             </a:br>
             <a:br>
-              <a:rPr sz="1200" dirty="0"/>
+              <a:rPr sz="1600" dirty="0"/>
             </a:br>
-            <a:endParaRPr sz="1200" dirty="0"/>
+            <a:endParaRPr sz="1600" dirty="0"/>
           </a:p>
         </p:txBody>
       </p:sp>
@@ -6812,6 +8196,7 @@
           <a:lstStyle/>
           <a:p>
             <a:r>
+              <a:rPr dirty="0"/>
               <a:t>Comparison of Auto Wiring Methods</a:t>
             </a:r>
           </a:p>
@@ -6823,11 +8208,17 @@
           <p:cNvGraphicFramePr>
             <a:graphicFrameLocks noGrp="1"/>
           </p:cNvGraphicFramePr>
-          <p:nvPr/>
+          <p:nvPr>
+            <p:extLst>
+              <p:ext uri="{D42A27DB-BD31-4B8C-83A1-F6EECF244321}">
+                <p14:modId xmlns:p14="http://schemas.microsoft.com/office/powerpoint/2010/main" val="3893437515"/>
+              </p:ext>
+            </p:extLst>
+          </p:nvPr>
         </p:nvGraphicFramePr>
         <p:xfrm>
-          <a:off x="457200" y="1371600"/>
-          <a:ext cx="8229600" cy="4114800"/>
+          <a:off x="1028702" y="1593057"/>
+          <a:ext cx="7200896" cy="2878932"/>
         </p:xfrm>
         <a:graphic>
           <a:graphicData uri="http://schemas.openxmlformats.org/drawingml/2006/table">
@@ -6836,14 +8227,14 @@
                 <a:tableStyleId>{5C22544A-7EE6-4342-B048-85BDC9FD1C3A}</a:tableStyleId>
               </a:tblPr>
               <a:tblGrid>
-                <a:gridCol w="4114800">
+                <a:gridCol w="3600448">
                   <a:extLst>
                     <a:ext uri="{9D8B030D-6E8A-4147-A177-3AD203B41FA5}">
                       <a16:colId xmlns:a16="http://schemas.microsoft.com/office/drawing/2014/main" val="20000"/>
                     </a:ext>
                   </a:extLst>
                 </a:gridCol>
-                <a:gridCol w="4114800">
+                <a:gridCol w="3600448">
                   <a:extLst>
                     <a:ext uri="{9D8B030D-6E8A-4147-A177-3AD203B41FA5}">
                       <a16:colId xmlns:a16="http://schemas.microsoft.com/office/drawing/2014/main" val="20001"/>
@@ -6851,7 +8242,7 @@
                   </a:extLst>
                 </a:gridCol>
               </a:tblGrid>
-              <a:tr h="1028700">
+              <a:tr h="719733">
                 <a:tc>
                   <a:txBody>
                     <a:bodyPr/>
@@ -6861,6 +8252,7 @@
                         <a:defRPr b="1"/>
                       </a:pPr>
                       <a:r>
+                        <a:rPr dirty="0"/>
                         <a:t>Method</a:t>
                       </a:r>
                     </a:p>
@@ -6876,6 +8268,7 @@
                         <a:defRPr b="1"/>
                       </a:pPr>
                       <a:r>
+                        <a:rPr dirty="0"/>
                         <a:t>Description</a:t>
                       </a:r>
                     </a:p>
@@ -6888,13 +8281,14 @@
                   </a:ext>
                 </a:extLst>
               </a:tr>
-              <a:tr h="1028700">
+              <a:tr h="719733">
                 <a:tc>
                   <a:txBody>
                     <a:bodyPr/>
                     <a:lstStyle/>
                     <a:p>
                       <a:r>
+                        <a:rPr dirty="0"/>
                         <a:t>By Type</a:t>
                       </a:r>
                     </a:p>
@@ -6919,7 +8313,7 @@
                   </a:ext>
                 </a:extLst>
               </a:tr>
-              <a:tr h="1028700">
+              <a:tr h="719733">
                 <a:tc>
                   <a:txBody>
                     <a:bodyPr/>
@@ -6938,6 +8332,7 @@
                     <a:lstStyle/>
                     <a:p>
                       <a:r>
+                        <a:rPr dirty="0"/>
                         <a:t>Matches dependencies by bean name</a:t>
                       </a:r>
                     </a:p>
@@ -6950,7 +8345,7 @@
                   </a:ext>
                 </a:extLst>
               </a:tr>
-              <a:tr h="1028700">
+              <a:tr h="719733">
                 <a:tc>
                   <a:txBody>
                     <a:bodyPr/>
@@ -6969,6 +8364,7 @@
                     <a:lstStyle/>
                     <a:p>
                       <a:r>
+                        <a:rPr dirty="0"/>
                         <a:t>Specifies the exact bean to inject when multiple exist</a:t>
                       </a:r>
                     </a:p>
@@ -7301,4 +8697,299 @@
     </a:ext>
   </a:extLst>
 </a:theme>
+</file>
+
+<file path=ppt/theme/theme2.xml><?xml version="1.0" encoding="utf-8"?>
+<a:theme xmlns:a="http://schemas.openxmlformats.org/drawingml/2006/main" name="Office Theme">
+  <a:themeElements>
+    <a:clrScheme name="Office">
+      <a:dk1>
+        <a:sysClr val="windowText" lastClr="000000"/>
+      </a:dk1>
+      <a:lt1>
+        <a:sysClr val="window" lastClr="FFFFFF"/>
+      </a:lt1>
+      <a:dk2>
+        <a:srgbClr val="44546A"/>
+      </a:dk2>
+      <a:lt2>
+        <a:srgbClr val="E7E6E6"/>
+      </a:lt2>
+      <a:accent1>
+        <a:srgbClr val="4472C4"/>
+      </a:accent1>
+      <a:accent2>
+        <a:srgbClr val="ED7D31"/>
+      </a:accent2>
+      <a:accent3>
+        <a:srgbClr val="A5A5A5"/>
+      </a:accent3>
+      <a:accent4>
+        <a:srgbClr val="FFC000"/>
+      </a:accent4>
+      <a:accent5>
+        <a:srgbClr val="5B9BD5"/>
+      </a:accent5>
+      <a:accent6>
+        <a:srgbClr val="70AD47"/>
+      </a:accent6>
+      <a:hlink>
+        <a:srgbClr val="0563C1"/>
+      </a:hlink>
+      <a:folHlink>
+        <a:srgbClr val="954F72"/>
+      </a:folHlink>
+    </a:clrScheme>
+    <a:fontScheme name="Office">
+      <a:majorFont>
+        <a:latin typeface="Calibri Light" panose="020F0302020204030204"/>
+        <a:ea typeface=""/>
+        <a:cs typeface=""/>
+        <a:font script="Jpan" typeface="游ゴシック Light"/>
+        <a:font script="Hang" typeface="맑은 고딕"/>
+        <a:font script="Hans" typeface="等线 Light"/>
+        <a:font script="Hant" typeface="新細明體"/>
+        <a:font script="Arab" typeface="Times New Roman"/>
+        <a:font script="Hebr" typeface="Times New Roman"/>
+        <a:font script="Thai" typeface="Angsana New"/>
+        <a:font script="Ethi" typeface="Nyala"/>
+        <a:font script="Beng" typeface="Vrinda"/>
+        <a:font script="Gujr" typeface="Shruti"/>
+        <a:font script="Khmr" typeface="MoolBoran"/>
+        <a:font script="Knda" typeface="Tunga"/>
+        <a:font script="Guru" typeface="Raavi"/>
+        <a:font script="Cans" typeface="Euphemia"/>
+        <a:font script="Cher" typeface="Plantagenet Cherokee"/>
+        <a:font script="Yiii" typeface="Microsoft Yi Baiti"/>
+        <a:font script="Tibt" typeface="Microsoft Himalaya"/>
+        <a:font script="Thaa" typeface="MV Boli"/>
+        <a:font script="Deva" typeface="Mangal"/>
+        <a:font script="Telu" typeface="Gautami"/>
+        <a:font script="Taml" typeface="Latha"/>
+        <a:font script="Syrc" typeface="Estrangelo Edessa"/>
+        <a:font script="Orya" typeface="Kalinga"/>
+        <a:font script="Mlym" typeface="Kartika"/>
+        <a:font script="Laoo" typeface="DokChampa"/>
+        <a:font script="Sinh" typeface="Iskoola Pota"/>
+        <a:font script="Mong" typeface="Mongolian Baiti"/>
+        <a:font script="Viet" typeface="Times New Roman"/>
+        <a:font script="Uigh" typeface="Microsoft Uighur"/>
+        <a:font script="Geor" typeface="Sylfaen"/>
+        <a:font script="Armn" typeface="Arial"/>
+        <a:font script="Bugi" typeface="Leelawadee UI"/>
+        <a:font script="Bopo" typeface="Microsoft JhengHei"/>
+        <a:font script="Java" typeface="Javanese Text"/>
+        <a:font script="Lisu" typeface="Segoe UI"/>
+        <a:font script="Mymr" typeface="Myanmar Text"/>
+        <a:font script="Nkoo" typeface="Ebrima"/>
+        <a:font script="Olck" typeface="Nirmala UI"/>
+        <a:font script="Osma" typeface="Ebrima"/>
+        <a:font script="Phag" typeface="Phagspa"/>
+        <a:font script="Syrn" typeface="Estrangelo Edessa"/>
+        <a:font script="Syrj" typeface="Estrangelo Edessa"/>
+        <a:font script="Syre" typeface="Estrangelo Edessa"/>
+        <a:font script="Sora" typeface="Nirmala UI"/>
+        <a:font script="Tale" typeface="Microsoft Tai Le"/>
+        <a:font script="Talu" typeface="Microsoft New Tai Lue"/>
+        <a:font script="Tfng" typeface="Ebrima"/>
+      </a:majorFont>
+      <a:minorFont>
+        <a:latin typeface="Calibri" panose="020F0502020204030204"/>
+        <a:ea typeface=""/>
+        <a:cs typeface=""/>
+        <a:font script="Jpan" typeface="游ゴシック"/>
+        <a:font script="Hang" typeface="맑은 고딕"/>
+        <a:font script="Hans" typeface="等线"/>
+        <a:font script="Hant" typeface="新細明體"/>
+        <a:font script="Arab" typeface="Arial"/>
+        <a:font script="Hebr" typeface="Arial"/>
+        <a:font script="Thai" typeface="Cordia New"/>
+        <a:font script="Ethi" typeface="Nyala"/>
+        <a:font script="Beng" typeface="Vrinda"/>
+        <a:font script="Gujr" typeface="Shruti"/>
+        <a:font script="Khmr" typeface="DaunPenh"/>
+        <a:font script="Knda" typeface="Tunga"/>
+        <a:font script="Guru" typeface="Raavi"/>
+        <a:font script="Cans" typeface="Euphemia"/>
+        <a:font script="Cher" typeface="Plantagenet Cherokee"/>
+        <a:font script="Yiii" typeface="Microsoft Yi Baiti"/>
+        <a:font script="Tibt" typeface="Microsoft Himalaya"/>
+        <a:font script="Thaa" typeface="MV Boli"/>
+        <a:font script="Deva" typeface="Mangal"/>
+        <a:font script="Telu" typeface="Gautami"/>
+        <a:font script="Taml" typeface="Latha"/>
+        <a:font script="Syrc" typeface="Estrangelo Edessa"/>
+        <a:font script="Orya" typeface="Kalinga"/>
+        <a:font script="Mlym" typeface="Kartika"/>
+        <a:font script="Laoo" typeface="DokChampa"/>
+        <a:font script="Sinh" typeface="Iskoola Pota"/>
+        <a:font script="Mong" typeface="Mongolian Baiti"/>
+        <a:font script="Viet" typeface="Arial"/>
+        <a:font script="Uigh" typeface="Microsoft Uighur"/>
+        <a:font script="Geor" typeface="Sylfaen"/>
+        <a:font script="Armn" typeface="Arial"/>
+        <a:font script="Bugi" typeface="Leelawadee UI"/>
+        <a:font script="Bopo" typeface="Microsoft JhengHei"/>
+        <a:font script="Java" typeface="Javanese Text"/>
+        <a:font script="Lisu" typeface="Segoe UI"/>
+        <a:font script="Mymr" typeface="Myanmar Text"/>
+        <a:font script="Nkoo" typeface="Ebrima"/>
+        <a:font script="Olck" typeface="Nirmala UI"/>
+        <a:font script="Osma" typeface="Ebrima"/>
+        <a:font script="Phag" typeface="Phagspa"/>
+        <a:font script="Syrn" typeface="Estrangelo Edessa"/>
+        <a:font script="Syrj" typeface="Estrangelo Edessa"/>
+        <a:font script="Syre" typeface="Estrangelo Edessa"/>
+        <a:font script="Sora" typeface="Nirmala UI"/>
+        <a:font script="Tale" typeface="Microsoft Tai Le"/>
+        <a:font script="Talu" typeface="Microsoft New Tai Lue"/>
+        <a:font script="Tfng" typeface="Ebrima"/>
+      </a:minorFont>
+    </a:fontScheme>
+    <a:fmtScheme name="Office">
+      <a:fillStyleLst>
+        <a:solidFill>
+          <a:schemeClr val="phClr"/>
+        </a:solidFill>
+        <a:gradFill rotWithShape="1">
+          <a:gsLst>
+            <a:gs pos="0">
+              <a:schemeClr val="phClr">
+                <a:lumMod val="110000"/>
+                <a:satMod val="105000"/>
+                <a:tint val="67000"/>
+              </a:schemeClr>
+            </a:gs>
+            <a:gs pos="50000">
+              <a:schemeClr val="phClr">
+                <a:lumMod val="105000"/>
+                <a:satMod val="103000"/>
+                <a:tint val="73000"/>
+              </a:schemeClr>
+            </a:gs>
+            <a:gs pos="100000">
+              <a:schemeClr val="phClr">
+                <a:lumMod val="105000"/>
+                <a:satMod val="109000"/>
+                <a:tint val="81000"/>
+              </a:schemeClr>
+            </a:gs>
+          </a:gsLst>
+          <a:lin ang="5400000" scaled="0"/>
+        </a:gradFill>
+        <a:gradFill rotWithShape="1">
+          <a:gsLst>
+            <a:gs pos="0">
+              <a:schemeClr val="phClr">
+                <a:satMod val="103000"/>
+                <a:lumMod val="102000"/>
+                <a:tint val="94000"/>
+              </a:schemeClr>
+            </a:gs>
+            <a:gs pos="50000">
+              <a:schemeClr val="phClr">
+                <a:satMod val="110000"/>
+                <a:lumMod val="100000"/>
+                <a:shade val="100000"/>
+              </a:schemeClr>
+            </a:gs>
+            <a:gs pos="100000">
+              <a:schemeClr val="phClr">
+                <a:lumMod val="99000"/>
+                <a:satMod val="120000"/>
+                <a:shade val="78000"/>
+              </a:schemeClr>
+            </a:gs>
+          </a:gsLst>
+          <a:lin ang="5400000" scaled="0"/>
+        </a:gradFill>
+      </a:fillStyleLst>
+      <a:lnStyleLst>
+        <a:ln w="6350" cap="flat" cmpd="sng" algn="ctr">
+          <a:solidFill>
+            <a:schemeClr val="phClr"/>
+          </a:solidFill>
+          <a:prstDash val="solid"/>
+          <a:miter lim="800000"/>
+        </a:ln>
+        <a:ln w="12700" cap="flat" cmpd="sng" algn="ctr">
+          <a:solidFill>
+            <a:schemeClr val="phClr"/>
+          </a:solidFill>
+          <a:prstDash val="solid"/>
+          <a:miter lim="800000"/>
+        </a:ln>
+        <a:ln w="19050" cap="flat" cmpd="sng" algn="ctr">
+          <a:solidFill>
+            <a:schemeClr val="phClr"/>
+          </a:solidFill>
+          <a:prstDash val="solid"/>
+          <a:miter lim="800000"/>
+        </a:ln>
+      </a:lnStyleLst>
+      <a:effectStyleLst>
+        <a:effectStyle>
+          <a:effectLst/>
+        </a:effectStyle>
+        <a:effectStyle>
+          <a:effectLst/>
+        </a:effectStyle>
+        <a:effectStyle>
+          <a:effectLst>
+            <a:outerShdw blurRad="57150" dist="19050" dir="5400000" algn="ctr" rotWithShape="0">
+              <a:srgbClr val="000000">
+                <a:alpha val="63000"/>
+              </a:srgbClr>
+            </a:outerShdw>
+          </a:effectLst>
+        </a:effectStyle>
+      </a:effectStyleLst>
+      <a:bgFillStyleLst>
+        <a:solidFill>
+          <a:schemeClr val="phClr"/>
+        </a:solidFill>
+        <a:solidFill>
+          <a:schemeClr val="phClr">
+            <a:tint val="95000"/>
+            <a:satMod val="170000"/>
+          </a:schemeClr>
+        </a:solidFill>
+        <a:gradFill rotWithShape="1">
+          <a:gsLst>
+            <a:gs pos="0">
+              <a:schemeClr val="phClr">
+                <a:tint val="93000"/>
+                <a:satMod val="150000"/>
+                <a:shade val="98000"/>
+                <a:lumMod val="102000"/>
+              </a:schemeClr>
+            </a:gs>
+            <a:gs pos="50000">
+              <a:schemeClr val="phClr">
+                <a:tint val="98000"/>
+                <a:satMod val="130000"/>
+                <a:shade val="90000"/>
+                <a:lumMod val="103000"/>
+              </a:schemeClr>
+            </a:gs>
+            <a:gs pos="100000">
+              <a:schemeClr val="phClr">
+                <a:shade val="63000"/>
+                <a:satMod val="120000"/>
+              </a:schemeClr>
+            </a:gs>
+          </a:gsLst>
+          <a:lin ang="5400000" scaled="0"/>
+        </a:gradFill>
+      </a:bgFillStyleLst>
+    </a:fmtScheme>
+  </a:themeElements>
+  <a:objectDefaults/>
+  <a:extraClrSchemeLst/>
+  <a:extLst>
+    <a:ext uri="{05A4C25C-085E-4340-85A3-A5531E510DB2}">
+      <thm15:themeFamily xmlns:thm15="http://schemas.microsoft.com/office/thememl/2012/main" name="Office Theme" id="{62F939B6-93AF-4DB8-9C6B-D6C7DFDC589F}" vid="{4A3C46E8-61CC-4603-A589-7422A47A8E4A}"/>
+    </a:ext>
+  </a:extLst>
+</a:theme>
 </file>